--- a/original/Презентация.pptx
+++ b/original/Презентация.pptx
@@ -126,6 +126,11 @@
       </a:defRPr>
     </a:lvl9pPr>
   </p:defaultTextStyle>
+  <p:extLst>
+    <p:ext uri="{EFAFB233-063F-42B5-8137-9DF3F51BA10A}">
+      <p15:sldGuideLst xmlns:p15="http://schemas.microsoft.com/office/powerpoint/2012/main"/>
+    </p:ext>
+  </p:extLst>
 </p:presentation>
 </file>
 
@@ -4047,6 +4052,82 @@
               <a:t>Чек-лист</a:t>
             </a:r>
             <a:endParaRPr lang="en-US" dirty="0"/>
+          </a:p>
+        </p:txBody>
+      </p:sp>
+      <p:pic>
+        <p:nvPicPr>
+          <p:cNvPr id="3" name="Picture 2">
+            <a:extLst>
+              <a:ext uri="{FF2B5EF4-FFF2-40B4-BE49-F238E27FC236}">
+                <a16:creationId xmlns:a16="http://schemas.microsoft.com/office/drawing/2014/main" id="{A4B1BA72-39A3-91C2-1587-B4CF251C094A}"/>
+              </a:ext>
+            </a:extLst>
+          </p:cNvPr>
+          <p:cNvPicPr>
+            <a:picLocks noChangeAspect="1"/>
+          </p:cNvPicPr>
+          <p:nvPr/>
+        </p:nvPicPr>
+        <p:blipFill>
+          <a:blip r:embed="rId2"/>
+          <a:srcRect l="1836" t="10218" r="1231"/>
+          <a:stretch>
+            <a:fillRect/>
+          </a:stretch>
+        </p:blipFill>
+        <p:spPr>
+          <a:xfrm>
+            <a:off x="838200" y="1251052"/>
+            <a:ext cx="6010968" cy="4355895"/>
+          </a:xfrm>
+          <a:prstGeom prst="rect">
+            <a:avLst/>
+          </a:prstGeom>
+          <a:ln>
+            <a:solidFill>
+              <a:schemeClr val="tx1"/>
+            </a:solidFill>
+          </a:ln>
+        </p:spPr>
+      </p:pic>
+      <p:sp>
+        <p:nvSpPr>
+          <p:cNvPr id="5" name="TextBox 4">
+            <a:extLst>
+              <a:ext uri="{FF2B5EF4-FFF2-40B4-BE49-F238E27FC236}">
+                <a16:creationId xmlns:a16="http://schemas.microsoft.com/office/drawing/2014/main" id="{4A2CB22B-1D8F-143B-0295-AFC79613D602}"/>
+              </a:ext>
+            </a:extLst>
+          </p:cNvPr>
+          <p:cNvSpPr txBox="1"/>
+          <p:nvPr/>
+        </p:nvSpPr>
+        <p:spPr>
+          <a:xfrm>
+            <a:off x="2828951" y="5606947"/>
+            <a:ext cx="2029466" cy="369332"/>
+          </a:xfrm>
+          <a:prstGeom prst="rect">
+            <a:avLst/>
+          </a:prstGeom>
+          <a:noFill/>
+        </p:spPr>
+        <p:txBody>
+          <a:bodyPr wrap="none" rtlCol="0">
+            <a:spAutoFit/>
+          </a:bodyPr>
+          <a:lstStyle/>
+          <a:p>
+            <a:pPr algn="ctr"/>
+            <a:r>
+              <a:rPr lang="ru-RU" dirty="0"/>
+              <a:t>Чек-лист </a:t>
+            </a:r>
+            <a:r>
+              <a:rPr lang="en-US" dirty="0"/>
+              <a:t>Usability</a:t>
+            </a:r>
           </a:p>
         </p:txBody>
       </p:sp>

--- a/original/Презентация.pptx
+++ b/original/Презентация.pptx
@@ -4078,8 +4078,8 @@
         </p:blipFill>
         <p:spPr>
           <a:xfrm>
-            <a:off x="838200" y="1251052"/>
-            <a:ext cx="6010968" cy="4355895"/>
+            <a:off x="329837" y="1666201"/>
+            <a:ext cx="4865190" cy="3525598"/>
           </a:xfrm>
           <a:prstGeom prst="rect">
             <a:avLst/>
@@ -4105,7 +4105,7 @@
         </p:nvSpPr>
         <p:spPr>
           <a:xfrm>
-            <a:off x="2828951" y="5606947"/>
+            <a:off x="1747699" y="5216847"/>
             <a:ext cx="2029466" cy="369332"/>
           </a:xfrm>
           <a:prstGeom prst="rect">
@@ -4128,6 +4128,73 @@
               <a:rPr lang="en-US" dirty="0"/>
               <a:t>Usability</a:t>
             </a:r>
+          </a:p>
+        </p:txBody>
+      </p:sp>
+      <p:pic>
+        <p:nvPicPr>
+          <p:cNvPr id="6" name="Picture 5">
+            <a:extLst>
+              <a:ext uri="{FF2B5EF4-FFF2-40B4-BE49-F238E27FC236}">
+                <a16:creationId xmlns:a16="http://schemas.microsoft.com/office/drawing/2014/main" id="{9DEB9170-1C16-9064-2062-345EA4174CB5}"/>
+              </a:ext>
+            </a:extLst>
+          </p:cNvPr>
+          <p:cNvPicPr>
+            <a:picLocks noChangeAspect="1"/>
+          </p:cNvPicPr>
+          <p:nvPr/>
+        </p:nvPicPr>
+        <p:blipFill>
+          <a:blip r:embed="rId3"/>
+          <a:stretch>
+            <a:fillRect/>
+          </a:stretch>
+        </p:blipFill>
+        <p:spPr>
+          <a:xfrm>
+            <a:off x="5359037" y="1787585"/>
+            <a:ext cx="6503126" cy="3282828"/>
+          </a:xfrm>
+          <a:prstGeom prst="rect">
+            <a:avLst/>
+          </a:prstGeom>
+        </p:spPr>
+      </p:pic>
+      <p:sp>
+        <p:nvSpPr>
+          <p:cNvPr id="8" name="TextBox 7">
+            <a:extLst>
+              <a:ext uri="{FF2B5EF4-FFF2-40B4-BE49-F238E27FC236}">
+                <a16:creationId xmlns:a16="http://schemas.microsoft.com/office/drawing/2014/main" id="{76EE6E1D-EB89-3101-D8A0-5939B324C096}"/>
+              </a:ext>
+            </a:extLst>
+          </p:cNvPr>
+          <p:cNvSpPr txBox="1"/>
+          <p:nvPr/>
+        </p:nvSpPr>
+        <p:spPr>
+          <a:xfrm>
+            <a:off x="6225748" y="5070413"/>
+            <a:ext cx="4769704" cy="369332"/>
+          </a:xfrm>
+          <a:prstGeom prst="rect">
+            <a:avLst/>
+          </a:prstGeom>
+          <a:noFill/>
+        </p:spPr>
+        <p:txBody>
+          <a:bodyPr wrap="none" rtlCol="0">
+            <a:spAutoFit/>
+          </a:bodyPr>
+          <a:lstStyle/>
+          <a:p>
+            <a:pPr algn="ctr"/>
+            <a:r>
+              <a:rPr lang="uk-UA"/>
+              <a:t>Тест-кейсы функционального тестирования </a:t>
+            </a:r>
+            <a:endParaRPr lang="en-US" dirty="0"/>
           </a:p>
         </p:txBody>
       </p:sp>
